--- a/Tema1SD.pptx
+++ b/Tema1SD.pptx
@@ -5,7 +5,7 @@
     <p:sldMasterId id="2147483648" r:id="rId1"/>
   </p:sldMasterIdLst>
   <p:notesMasterIdLst>
-    <p:notesMasterId r:id="rId10"/>
+    <p:notesMasterId r:id="rId11"/>
   </p:notesMasterIdLst>
   <p:sldIdLst>
     <p:sldId id="257" r:id="rId2"/>
@@ -16,6 +16,7 @@
     <p:sldId id="262" r:id="rId7"/>
     <p:sldId id="263" r:id="rId8"/>
     <p:sldId id="264" r:id="rId9"/>
+    <p:sldId id="265" r:id="rId10"/>
   </p:sldIdLst>
   <p:sldSz cx="12192000" cy="6858000"/>
   <p:notesSz cx="6858000" cy="9144000"/>
@@ -114,7 +115,1373 @@
       </a:defRPr>
     </a:lvl9pPr>
   </p:defaultTextStyle>
+  <p:extLst>
+    <p:ext uri="{EFAFB233-063F-42B5-8137-9DF3F51BA10A}">
+      <p15:sldGuideLst xmlns:p15="http://schemas.microsoft.com/office/powerpoint/2012/main"/>
+    </p:ext>
+  </p:extLst>
 </p:presentation>
+</file>
+
+<file path=ppt/charts/chart1.xml><?xml version="1.0" encoding="utf-8"?>
+<c:chartSpace xmlns:c="http://schemas.openxmlformats.org/drawingml/2006/chart" xmlns:a="http://schemas.openxmlformats.org/drawingml/2006/main" xmlns:r="http://schemas.openxmlformats.org/officeDocument/2006/relationships" xmlns:c16r2="http://schemas.microsoft.com/office/drawing/2015/06/chart">
+  <c:date1904 val="0"/>
+  <c:lang val="en-US"/>
+  <c:roundedCorners val="0"/>
+  <mc:AlternateContent xmlns:mc="http://schemas.openxmlformats.org/markup-compatibility/2006">
+    <mc:Choice xmlns:c14="http://schemas.microsoft.com/office/drawing/2007/8/2/chart" Requires="c14">
+      <c14:style val="102"/>
+    </mc:Choice>
+    <mc:Fallback>
+      <c:style val="2"/>
+    </mc:Fallback>
+  </mc:AlternateContent>
+  <c:chart>
+    <c:title>
+      <c:tx>
+        <c:rich>
+          <a:bodyPr rot="0" spcFirstLastPara="1" vertOverflow="ellipsis" vert="horz" wrap="square" anchor="ctr" anchorCtr="1"/>
+          <a:lstStyle/>
+          <a:p>
+            <a:pPr>
+              <a:defRPr sz="1862" b="0" i="0" u="none" strike="noStrike" kern="1200" spc="0" baseline="0">
+                <a:solidFill>
+                  <a:schemeClr val="tx1">
+                    <a:lumMod val="65000"/>
+                    <a:lumOff val="35000"/>
+                  </a:schemeClr>
+                </a:solidFill>
+                <a:latin typeface="+mn-lt"/>
+                <a:ea typeface="+mn-ea"/>
+                <a:cs typeface="+mn-cs"/>
+              </a:defRPr>
+            </a:pPr>
+            <a:r>
+              <a:rPr lang="en-US" dirty="0" err="1"/>
+              <a:t>Comparatie</a:t>
+            </a:r>
+            <a:r>
+              <a:rPr lang="en-US" baseline="0" dirty="0"/>
+              <a:t> </a:t>
+            </a:r>
+            <a:r>
+              <a:rPr lang="en-US" baseline="0" dirty="0" err="1"/>
+              <a:t>visuala</a:t>
+            </a:r>
+            <a:r>
+              <a:rPr lang="en-US" baseline="0" dirty="0"/>
+              <a:t> </a:t>
+            </a:r>
+            <a:r>
+              <a:rPr lang="en-US" baseline="0" dirty="0" err="1"/>
+              <a:t>intre</a:t>
+            </a:r>
+            <a:r>
+              <a:rPr lang="en-US" baseline="0" dirty="0"/>
+              <a:t> </a:t>
+            </a:r>
+            <a:r>
+              <a:rPr lang="en-US" baseline="0" dirty="0" err="1"/>
+              <a:t>eficienta</a:t>
+            </a:r>
+            <a:r>
+              <a:rPr lang="en-US" baseline="0" dirty="0"/>
+              <a:t> </a:t>
+            </a:r>
+            <a:r>
+              <a:rPr lang="en-US" baseline="0" dirty="0" err="1"/>
+              <a:t>timp</a:t>
+            </a:r>
+            <a:r>
+              <a:rPr lang="en-US" baseline="0" dirty="0"/>
+              <a:t> a </a:t>
+            </a:r>
+            <a:r>
+              <a:rPr lang="en-US" baseline="0" dirty="0" err="1"/>
+              <a:t>algoritmilor</a:t>
+            </a:r>
+            <a:endParaRPr lang="en-US" dirty="0"/>
+          </a:p>
+        </c:rich>
+      </c:tx>
+      <c:overlay val="0"/>
+      <c:spPr>
+        <a:noFill/>
+        <a:ln>
+          <a:noFill/>
+        </a:ln>
+        <a:effectLst/>
+      </c:spPr>
+      <c:txPr>
+        <a:bodyPr rot="0" spcFirstLastPara="1" vertOverflow="ellipsis" vert="horz" wrap="square" anchor="ctr" anchorCtr="1"/>
+        <a:lstStyle/>
+        <a:p>
+          <a:pPr>
+            <a:defRPr sz="1862" b="0" i="0" u="none" strike="noStrike" kern="1200" spc="0" baseline="0">
+              <a:solidFill>
+                <a:schemeClr val="tx1">
+                  <a:lumMod val="65000"/>
+                  <a:lumOff val="35000"/>
+                </a:schemeClr>
+              </a:solidFill>
+              <a:latin typeface="+mn-lt"/>
+              <a:ea typeface="+mn-ea"/>
+              <a:cs typeface="+mn-cs"/>
+            </a:defRPr>
+          </a:pPr>
+          <a:endParaRPr lang="en-US"/>
+        </a:p>
+      </c:txPr>
+    </c:title>
+    <c:autoTitleDeleted val="0"/>
+    <c:plotArea>
+      <c:layout>
+        <c:manualLayout>
+          <c:layoutTarget val="inner"/>
+          <c:xMode val="edge"/>
+          <c:yMode val="edge"/>
+          <c:x val="4.1078495800658102E-2"/>
+          <c:y val="8.5138837284631619E-2"/>
+          <c:w val="0.94412360127358508"/>
+          <c:h val="0.81245132329193881"/>
+        </c:manualLayout>
+      </c:layout>
+      <c:barChart>
+        <c:barDir val="col"/>
+        <c:grouping val="clustered"/>
+        <c:varyColors val="0"/>
+        <c:ser>
+          <c:idx val="0"/>
+          <c:order val="0"/>
+          <c:tx>
+            <c:strRef>
+              <c:f>Sheet1!$B$1</c:f>
+              <c:strCache>
+                <c:ptCount val="1"/>
+                <c:pt idx="0">
+                  <c:v>Merge Sort</c:v>
+                </c:pt>
+              </c:strCache>
+            </c:strRef>
+          </c:tx>
+          <c:spPr>
+            <a:solidFill>
+              <a:schemeClr val="accent1"/>
+            </a:solidFill>
+            <a:ln>
+              <a:noFill/>
+            </a:ln>
+            <a:effectLst/>
+          </c:spPr>
+          <c:invertIfNegative val="0"/>
+          <c:cat>
+            <c:strRef>
+              <c:f>Sheet1!$A$2:$A$7</c:f>
+              <c:strCache>
+                <c:ptCount val="6"/>
+                <c:pt idx="0">
+                  <c:v>N=100 Max=540</c:v>
+                </c:pt>
+                <c:pt idx="1">
+                  <c:v>N=1000 Max=1000000</c:v>
+                </c:pt>
+                <c:pt idx="2">
+                  <c:v>N=1000000 Max=1000</c:v>
+                </c:pt>
+                <c:pt idx="3">
+                  <c:v>N=1000 Max=100000000</c:v>
+                </c:pt>
+                <c:pt idx="4">
+                  <c:v>N=10000 Max=1000000</c:v>
+                </c:pt>
+                <c:pt idx="5">
+                  <c:v>N=100000 Max=10000000</c:v>
+                </c:pt>
+              </c:strCache>
+            </c:strRef>
+          </c:cat>
+          <c:val>
+            <c:numRef>
+              <c:f>Sheet1!$B$2:$B$7</c:f>
+              <c:numCache>
+                <c:formatCode>General</c:formatCode>
+                <c:ptCount val="6"/>
+                <c:pt idx="0">
+                  <c:v>34</c:v>
+                </c:pt>
+                <c:pt idx="1">
+                  <c:v>382</c:v>
+                </c:pt>
+                <c:pt idx="2">
+                  <c:v>282.15300000000002</c:v>
+                </c:pt>
+                <c:pt idx="3">
+                  <c:v>223</c:v>
+                </c:pt>
+                <c:pt idx="4">
+                  <c:v>274.89999999999998</c:v>
+                </c:pt>
+                <c:pt idx="5">
+                  <c:v>284.72000000000003</c:v>
+                </c:pt>
+              </c:numCache>
+            </c:numRef>
+          </c:val>
+          <c:extLst>
+            <c:ext xmlns:c16="http://schemas.microsoft.com/office/drawing/2014/chart" uri="{C3380CC4-5D6E-409C-BE32-E72D297353CC}">
+              <c16:uniqueId val="{00000000-96EE-4607-84CF-B30F4554679E}"/>
+            </c:ext>
+          </c:extLst>
+        </c:ser>
+        <c:ser>
+          <c:idx val="1"/>
+          <c:order val="1"/>
+          <c:tx>
+            <c:strRef>
+              <c:f>Sheet1!$C$1</c:f>
+              <c:strCache>
+                <c:ptCount val="1"/>
+                <c:pt idx="0">
+                  <c:v>Quick Sort</c:v>
+                </c:pt>
+              </c:strCache>
+            </c:strRef>
+          </c:tx>
+          <c:spPr>
+            <a:solidFill>
+              <a:schemeClr val="accent2"/>
+            </a:solidFill>
+            <a:ln>
+              <a:noFill/>
+            </a:ln>
+            <a:effectLst/>
+          </c:spPr>
+          <c:invertIfNegative val="0"/>
+          <c:cat>
+            <c:strRef>
+              <c:f>Sheet1!$A$2:$A$7</c:f>
+              <c:strCache>
+                <c:ptCount val="6"/>
+                <c:pt idx="0">
+                  <c:v>N=100 Max=540</c:v>
+                </c:pt>
+                <c:pt idx="1">
+                  <c:v>N=1000 Max=1000000</c:v>
+                </c:pt>
+                <c:pt idx="2">
+                  <c:v>N=1000000 Max=1000</c:v>
+                </c:pt>
+                <c:pt idx="3">
+                  <c:v>N=1000 Max=100000000</c:v>
+                </c:pt>
+                <c:pt idx="4">
+                  <c:v>N=10000 Max=1000000</c:v>
+                </c:pt>
+                <c:pt idx="5">
+                  <c:v>N=100000 Max=10000000</c:v>
+                </c:pt>
+              </c:strCache>
+            </c:strRef>
+          </c:cat>
+          <c:val>
+            <c:numRef>
+              <c:f>Sheet1!$C$2:$C$7</c:f>
+              <c:numCache>
+                <c:formatCode>General</c:formatCode>
+                <c:ptCount val="6"/>
+                <c:pt idx="0">
+                  <c:v>6</c:v>
+                </c:pt>
+                <c:pt idx="1">
+                  <c:v>91</c:v>
+                </c:pt>
+                <c:pt idx="2">
+                  <c:v>104.77290000000001</c:v>
+                </c:pt>
+                <c:pt idx="3">
+                  <c:v>85</c:v>
+                </c:pt>
+                <c:pt idx="4">
+                  <c:v>117.3</c:v>
+                </c:pt>
+                <c:pt idx="5">
+                  <c:v>143.80000000000001</c:v>
+                </c:pt>
+              </c:numCache>
+            </c:numRef>
+          </c:val>
+          <c:extLst>
+            <c:ext xmlns:c16="http://schemas.microsoft.com/office/drawing/2014/chart" uri="{C3380CC4-5D6E-409C-BE32-E72D297353CC}">
+              <c16:uniqueId val="{00000001-96EE-4607-84CF-B30F4554679E}"/>
+            </c:ext>
+          </c:extLst>
+        </c:ser>
+        <c:ser>
+          <c:idx val="2"/>
+          <c:order val="2"/>
+          <c:tx>
+            <c:strRef>
+              <c:f>Sheet1!$D$1</c:f>
+              <c:strCache>
+                <c:ptCount val="1"/>
+                <c:pt idx="0">
+                  <c:v>Radix Sort</c:v>
+                </c:pt>
+              </c:strCache>
+            </c:strRef>
+          </c:tx>
+          <c:spPr>
+            <a:solidFill>
+              <a:schemeClr val="accent3"/>
+            </a:solidFill>
+            <a:ln>
+              <a:noFill/>
+            </a:ln>
+            <a:effectLst/>
+          </c:spPr>
+          <c:invertIfNegative val="0"/>
+          <c:cat>
+            <c:strRef>
+              <c:f>Sheet1!$A$2:$A$7</c:f>
+              <c:strCache>
+                <c:ptCount val="6"/>
+                <c:pt idx="0">
+                  <c:v>N=100 Max=540</c:v>
+                </c:pt>
+                <c:pt idx="1">
+                  <c:v>N=1000 Max=1000000</c:v>
+                </c:pt>
+                <c:pt idx="2">
+                  <c:v>N=1000000 Max=1000</c:v>
+                </c:pt>
+                <c:pt idx="3">
+                  <c:v>N=1000 Max=100000000</c:v>
+                </c:pt>
+                <c:pt idx="4">
+                  <c:v>N=10000 Max=1000000</c:v>
+                </c:pt>
+                <c:pt idx="5">
+                  <c:v>N=100000 Max=10000000</c:v>
+                </c:pt>
+              </c:strCache>
+            </c:strRef>
+          </c:cat>
+          <c:val>
+            <c:numRef>
+              <c:f>Sheet1!$D$2:$D$7</c:f>
+              <c:numCache>
+                <c:formatCode>General</c:formatCode>
+                <c:ptCount val="6"/>
+                <c:pt idx="0">
+                  <c:v>310</c:v>
+                </c:pt>
+                <c:pt idx="1">
+                  <c:v>1001</c:v>
+                </c:pt>
+                <c:pt idx="2">
+                  <c:v>206.12299999999999</c:v>
+                </c:pt>
+                <c:pt idx="3">
+                  <c:v>785</c:v>
+                </c:pt>
+                <c:pt idx="4">
+                  <c:v>409.9</c:v>
+                </c:pt>
+                <c:pt idx="5">
+                  <c:v>365.19</c:v>
+                </c:pt>
+              </c:numCache>
+            </c:numRef>
+          </c:val>
+          <c:extLst>
+            <c:ext xmlns:c16="http://schemas.microsoft.com/office/drawing/2014/chart" uri="{C3380CC4-5D6E-409C-BE32-E72D297353CC}">
+              <c16:uniqueId val="{00000002-96EE-4607-84CF-B30F4554679E}"/>
+            </c:ext>
+          </c:extLst>
+        </c:ser>
+        <c:ser>
+          <c:idx val="3"/>
+          <c:order val="3"/>
+          <c:tx>
+            <c:strRef>
+              <c:f>Sheet1!$E$1</c:f>
+              <c:strCache>
+                <c:ptCount val="1"/>
+                <c:pt idx="0">
+                  <c:v>Shell Sort</c:v>
+                </c:pt>
+              </c:strCache>
+            </c:strRef>
+          </c:tx>
+          <c:spPr>
+            <a:solidFill>
+              <a:schemeClr val="accent4"/>
+            </a:solidFill>
+            <a:ln>
+              <a:noFill/>
+            </a:ln>
+            <a:effectLst/>
+          </c:spPr>
+          <c:invertIfNegative val="0"/>
+          <c:cat>
+            <c:strRef>
+              <c:f>Sheet1!$A$2:$A$7</c:f>
+              <c:strCache>
+                <c:ptCount val="6"/>
+                <c:pt idx="0">
+                  <c:v>N=100 Max=540</c:v>
+                </c:pt>
+                <c:pt idx="1">
+                  <c:v>N=1000 Max=1000000</c:v>
+                </c:pt>
+                <c:pt idx="2">
+                  <c:v>N=1000000 Max=1000</c:v>
+                </c:pt>
+                <c:pt idx="3">
+                  <c:v>N=1000 Max=100000000</c:v>
+                </c:pt>
+                <c:pt idx="4">
+                  <c:v>N=10000 Max=1000000</c:v>
+                </c:pt>
+                <c:pt idx="5">
+                  <c:v>N=100000 Max=10000000</c:v>
+                </c:pt>
+              </c:strCache>
+            </c:strRef>
+          </c:cat>
+          <c:val>
+            <c:numRef>
+              <c:f>Sheet1!$E$2:$E$7</c:f>
+              <c:numCache>
+                <c:formatCode>General</c:formatCode>
+                <c:ptCount val="6"/>
+                <c:pt idx="0">
+                  <c:v>5</c:v>
+                </c:pt>
+                <c:pt idx="1">
+                  <c:v>117</c:v>
+                </c:pt>
+                <c:pt idx="2">
+                  <c:v>212.256</c:v>
+                </c:pt>
+                <c:pt idx="3">
+                  <c:v>89</c:v>
+                </c:pt>
+                <c:pt idx="4">
+                  <c:v>137.1</c:v>
+                </c:pt>
+                <c:pt idx="5">
+                  <c:v>199.63</c:v>
+                </c:pt>
+              </c:numCache>
+            </c:numRef>
+          </c:val>
+          <c:extLst>
+            <c:ext xmlns:c16="http://schemas.microsoft.com/office/drawing/2014/chart" uri="{C3380CC4-5D6E-409C-BE32-E72D297353CC}">
+              <c16:uniqueId val="{00000003-96EE-4607-84CF-B30F4554679E}"/>
+            </c:ext>
+          </c:extLst>
+        </c:ser>
+        <c:ser>
+          <c:idx val="4"/>
+          <c:order val="4"/>
+          <c:tx>
+            <c:strRef>
+              <c:f>Sheet1!$F$1</c:f>
+              <c:strCache>
+                <c:ptCount val="1"/>
+                <c:pt idx="0">
+                  <c:v>Heap Sort</c:v>
+                </c:pt>
+              </c:strCache>
+            </c:strRef>
+          </c:tx>
+          <c:spPr>
+            <a:solidFill>
+              <a:schemeClr val="accent5"/>
+            </a:solidFill>
+            <a:ln>
+              <a:noFill/>
+            </a:ln>
+            <a:effectLst/>
+          </c:spPr>
+          <c:invertIfNegative val="0"/>
+          <c:cat>
+            <c:strRef>
+              <c:f>Sheet1!$A$2:$A$7</c:f>
+              <c:strCache>
+                <c:ptCount val="6"/>
+                <c:pt idx="0">
+                  <c:v>N=100 Max=540</c:v>
+                </c:pt>
+                <c:pt idx="1">
+                  <c:v>N=1000 Max=1000000</c:v>
+                </c:pt>
+                <c:pt idx="2">
+                  <c:v>N=1000000 Max=1000</c:v>
+                </c:pt>
+                <c:pt idx="3">
+                  <c:v>N=1000 Max=100000000</c:v>
+                </c:pt>
+                <c:pt idx="4">
+                  <c:v>N=10000 Max=1000000</c:v>
+                </c:pt>
+                <c:pt idx="5">
+                  <c:v>N=100000 Max=10000000</c:v>
+                </c:pt>
+              </c:strCache>
+            </c:strRef>
+          </c:cat>
+          <c:val>
+            <c:numRef>
+              <c:f>Sheet1!$F$2:$F$7</c:f>
+              <c:numCache>
+                <c:formatCode>General</c:formatCode>
+                <c:ptCount val="6"/>
+                <c:pt idx="0">
+                  <c:v>9</c:v>
+                </c:pt>
+                <c:pt idx="1">
+                  <c:v>141</c:v>
+                </c:pt>
+                <c:pt idx="2">
+                  <c:v>350.94099999999997</c:v>
+                </c:pt>
+                <c:pt idx="3">
+                  <c:v>137</c:v>
+                </c:pt>
+                <c:pt idx="4">
+                  <c:v>185.5</c:v>
+                </c:pt>
+                <c:pt idx="5">
+                  <c:v>249.09</c:v>
+                </c:pt>
+              </c:numCache>
+            </c:numRef>
+          </c:val>
+          <c:extLst>
+            <c:ext xmlns:c16="http://schemas.microsoft.com/office/drawing/2014/chart" uri="{C3380CC4-5D6E-409C-BE32-E72D297353CC}">
+              <c16:uniqueId val="{00000004-96EE-4607-84CF-B30F4554679E}"/>
+            </c:ext>
+          </c:extLst>
+        </c:ser>
+        <c:ser>
+          <c:idx val="5"/>
+          <c:order val="5"/>
+          <c:tx>
+            <c:strRef>
+              <c:f>Sheet1!$G$1</c:f>
+              <c:strCache>
+                <c:ptCount val="1"/>
+                <c:pt idx="0">
+                  <c:v>STD Sort</c:v>
+                </c:pt>
+              </c:strCache>
+            </c:strRef>
+          </c:tx>
+          <c:spPr>
+            <a:solidFill>
+              <a:schemeClr val="accent6"/>
+            </a:solidFill>
+            <a:ln>
+              <a:noFill/>
+            </a:ln>
+            <a:effectLst/>
+          </c:spPr>
+          <c:invertIfNegative val="0"/>
+          <c:cat>
+            <c:strRef>
+              <c:f>Sheet1!$A$2:$A$7</c:f>
+              <c:strCache>
+                <c:ptCount val="6"/>
+                <c:pt idx="0">
+                  <c:v>N=100 Max=540</c:v>
+                </c:pt>
+                <c:pt idx="1">
+                  <c:v>N=1000 Max=1000000</c:v>
+                </c:pt>
+                <c:pt idx="2">
+                  <c:v>N=1000000 Max=1000</c:v>
+                </c:pt>
+                <c:pt idx="3">
+                  <c:v>N=1000 Max=100000000</c:v>
+                </c:pt>
+                <c:pt idx="4">
+                  <c:v>N=10000 Max=1000000</c:v>
+                </c:pt>
+                <c:pt idx="5">
+                  <c:v>N=100000 Max=10000000</c:v>
+                </c:pt>
+              </c:strCache>
+            </c:strRef>
+          </c:cat>
+          <c:val>
+            <c:numRef>
+              <c:f>Sheet1!$G$2:$G$7</c:f>
+              <c:numCache>
+                <c:formatCode>General</c:formatCode>
+                <c:ptCount val="6"/>
+                <c:pt idx="0">
+                  <c:v>6</c:v>
+                </c:pt>
+                <c:pt idx="1">
+                  <c:v>88</c:v>
+                </c:pt>
+                <c:pt idx="2">
+                  <c:v>125.64400000000001</c:v>
+                </c:pt>
+                <c:pt idx="3">
+                  <c:v>86</c:v>
+                </c:pt>
+                <c:pt idx="4">
+                  <c:v>106.9</c:v>
+                </c:pt>
+                <c:pt idx="5">
+                  <c:v>133.07</c:v>
+                </c:pt>
+              </c:numCache>
+            </c:numRef>
+          </c:val>
+          <c:extLst>
+            <c:ext xmlns:c16="http://schemas.microsoft.com/office/drawing/2014/chart" uri="{C3380CC4-5D6E-409C-BE32-E72D297353CC}">
+              <c16:uniqueId val="{00000005-96EE-4607-84CF-B30F4554679E}"/>
+            </c:ext>
+          </c:extLst>
+        </c:ser>
+        <c:dLbls>
+          <c:showLegendKey val="0"/>
+          <c:showVal val="0"/>
+          <c:showCatName val="0"/>
+          <c:showSerName val="0"/>
+          <c:showPercent val="0"/>
+          <c:showBubbleSize val="0"/>
+        </c:dLbls>
+        <c:gapWidth val="219"/>
+        <c:overlap val="-27"/>
+        <c:axId val="1101733151"/>
+        <c:axId val="1101735231"/>
+      </c:barChart>
+      <c:catAx>
+        <c:axId val="1101733151"/>
+        <c:scaling>
+          <c:orientation val="minMax"/>
+        </c:scaling>
+        <c:delete val="0"/>
+        <c:axPos val="b"/>
+        <c:numFmt formatCode="General" sourceLinked="1"/>
+        <c:majorTickMark val="none"/>
+        <c:minorTickMark val="none"/>
+        <c:tickLblPos val="nextTo"/>
+        <c:spPr>
+          <a:noFill/>
+          <a:ln w="9525" cap="flat" cmpd="sng" algn="ctr">
+            <a:solidFill>
+              <a:schemeClr val="tx1">
+                <a:lumMod val="15000"/>
+                <a:lumOff val="85000"/>
+              </a:schemeClr>
+            </a:solidFill>
+            <a:round/>
+          </a:ln>
+          <a:effectLst/>
+        </c:spPr>
+        <c:txPr>
+          <a:bodyPr rot="-60000000" spcFirstLastPara="1" vertOverflow="ellipsis" vert="horz" wrap="square" anchor="ctr" anchorCtr="1"/>
+          <a:lstStyle/>
+          <a:p>
+            <a:pPr>
+              <a:defRPr sz="1197" b="0" i="0" u="none" strike="noStrike" kern="1200" baseline="0">
+                <a:solidFill>
+                  <a:schemeClr val="tx1">
+                    <a:lumMod val="65000"/>
+                    <a:lumOff val="35000"/>
+                  </a:schemeClr>
+                </a:solidFill>
+                <a:latin typeface="+mn-lt"/>
+                <a:ea typeface="+mn-ea"/>
+                <a:cs typeface="+mn-cs"/>
+              </a:defRPr>
+            </a:pPr>
+            <a:endParaRPr lang="en-US"/>
+          </a:p>
+        </c:txPr>
+        <c:crossAx val="1101735231"/>
+        <c:crosses val="autoZero"/>
+        <c:auto val="1"/>
+        <c:lblAlgn val="ctr"/>
+        <c:lblOffset val="100"/>
+        <c:noMultiLvlLbl val="0"/>
+      </c:catAx>
+      <c:valAx>
+        <c:axId val="1101735231"/>
+        <c:scaling>
+          <c:orientation val="minMax"/>
+        </c:scaling>
+        <c:delete val="0"/>
+        <c:axPos val="l"/>
+        <c:majorGridlines>
+          <c:spPr>
+            <a:ln w="9525" cap="flat" cmpd="sng" algn="ctr">
+              <a:solidFill>
+                <a:schemeClr val="tx1">
+                  <a:lumMod val="15000"/>
+                  <a:lumOff val="85000"/>
+                </a:schemeClr>
+              </a:solidFill>
+              <a:round/>
+            </a:ln>
+            <a:effectLst/>
+          </c:spPr>
+        </c:majorGridlines>
+        <c:numFmt formatCode="General" sourceLinked="1"/>
+        <c:majorTickMark val="none"/>
+        <c:minorTickMark val="none"/>
+        <c:tickLblPos val="nextTo"/>
+        <c:spPr>
+          <a:noFill/>
+          <a:ln>
+            <a:noFill/>
+          </a:ln>
+          <a:effectLst/>
+        </c:spPr>
+        <c:txPr>
+          <a:bodyPr rot="-60000000" spcFirstLastPara="1" vertOverflow="ellipsis" vert="horz" wrap="square" anchor="ctr" anchorCtr="1"/>
+          <a:lstStyle/>
+          <a:p>
+            <a:pPr>
+              <a:defRPr sz="1197" b="0" i="0" u="none" strike="noStrike" kern="1200" baseline="0">
+                <a:solidFill>
+                  <a:schemeClr val="tx1">
+                    <a:lumMod val="65000"/>
+                    <a:lumOff val="35000"/>
+                  </a:schemeClr>
+                </a:solidFill>
+                <a:latin typeface="+mn-lt"/>
+                <a:ea typeface="+mn-ea"/>
+                <a:cs typeface="+mn-cs"/>
+              </a:defRPr>
+            </a:pPr>
+            <a:endParaRPr lang="en-US"/>
+          </a:p>
+        </c:txPr>
+        <c:crossAx val="1101733151"/>
+        <c:crosses val="autoZero"/>
+        <c:crossBetween val="between"/>
+      </c:valAx>
+      <c:spPr>
+        <a:noFill/>
+        <a:ln>
+          <a:noFill/>
+        </a:ln>
+        <a:effectLst/>
+      </c:spPr>
+    </c:plotArea>
+    <c:legend>
+      <c:legendPos val="b"/>
+      <c:overlay val="0"/>
+      <c:spPr>
+        <a:noFill/>
+        <a:ln>
+          <a:noFill/>
+        </a:ln>
+        <a:effectLst/>
+      </c:spPr>
+      <c:txPr>
+        <a:bodyPr rot="0" spcFirstLastPara="1" vertOverflow="ellipsis" vert="horz" wrap="square" anchor="ctr" anchorCtr="1"/>
+        <a:lstStyle/>
+        <a:p>
+          <a:pPr>
+            <a:defRPr sz="1197" b="0" i="0" u="none" strike="noStrike" kern="1200" baseline="0">
+              <a:solidFill>
+                <a:schemeClr val="tx1">
+                  <a:lumMod val="65000"/>
+                  <a:lumOff val="35000"/>
+                </a:schemeClr>
+              </a:solidFill>
+              <a:latin typeface="+mn-lt"/>
+              <a:ea typeface="+mn-ea"/>
+              <a:cs typeface="+mn-cs"/>
+            </a:defRPr>
+          </a:pPr>
+          <a:endParaRPr lang="en-US"/>
+        </a:p>
+      </c:txPr>
+    </c:legend>
+    <c:plotVisOnly val="1"/>
+    <c:dispBlanksAs val="gap"/>
+    <c:extLst>
+      <c:ext xmlns:c16r3="http://schemas.microsoft.com/office/drawing/2017/03/chart" uri="{56B9EC1D-385E-4148-901F-78D8002777C0}">
+        <c16r3:dataDisplayOptions16>
+          <c16r3:dispNaAsBlank val="1"/>
+        </c16r3:dataDisplayOptions16>
+      </c:ext>
+    </c:extLst>
+    <c:showDLblsOverMax val="0"/>
+  </c:chart>
+  <c:spPr>
+    <a:noFill/>
+    <a:ln>
+      <a:noFill/>
+    </a:ln>
+    <a:effectLst/>
+  </c:spPr>
+  <c:txPr>
+    <a:bodyPr/>
+    <a:lstStyle/>
+    <a:p>
+      <a:pPr>
+        <a:defRPr/>
+      </a:pPr>
+      <a:endParaRPr lang="en-US"/>
+    </a:p>
+  </c:txPr>
+  <c:externalData r:id="rId3">
+    <c:autoUpdate val="0"/>
+  </c:externalData>
+</c:chartSpace>
+</file>
+
+<file path=ppt/charts/colors1.xml><?xml version="1.0" encoding="utf-8"?>
+<cs:colorStyle xmlns:cs="http://schemas.microsoft.com/office/drawing/2012/chartStyle" xmlns:a="http://schemas.openxmlformats.org/drawingml/2006/main" meth="cycle" id="10">
+  <a:schemeClr val="accent1"/>
+  <a:schemeClr val="accent2"/>
+  <a:schemeClr val="accent3"/>
+  <a:schemeClr val="accent4"/>
+  <a:schemeClr val="accent5"/>
+  <a:schemeClr val="accent6"/>
+  <cs:variation/>
+  <cs:variation>
+    <a:lumMod val="60000"/>
+  </cs:variation>
+  <cs:variation>
+    <a:lumMod val="80000"/>
+    <a:lumOff val="20000"/>
+  </cs:variation>
+  <cs:variation>
+    <a:lumMod val="80000"/>
+  </cs:variation>
+  <cs:variation>
+    <a:lumMod val="60000"/>
+    <a:lumOff val="40000"/>
+  </cs:variation>
+  <cs:variation>
+    <a:lumMod val="50000"/>
+  </cs:variation>
+  <cs:variation>
+    <a:lumMod val="70000"/>
+    <a:lumOff val="30000"/>
+  </cs:variation>
+  <cs:variation>
+    <a:lumMod val="70000"/>
+  </cs:variation>
+  <cs:variation>
+    <a:lumMod val="50000"/>
+    <a:lumOff val="50000"/>
+  </cs:variation>
+</cs:colorStyle>
+</file>
+
+<file path=ppt/charts/style1.xml><?xml version="1.0" encoding="utf-8"?>
+<cs:chartStyle xmlns:cs="http://schemas.microsoft.com/office/drawing/2012/chartStyle" xmlns:a="http://schemas.openxmlformats.org/drawingml/2006/main" id="201">
+  <cs:axisTitle>
+    <cs:lnRef idx="0"/>
+    <cs:fillRef idx="0"/>
+    <cs:effectRef idx="0"/>
+    <cs:fontRef idx="minor">
+      <a:schemeClr val="tx1">
+        <a:lumMod val="65000"/>
+        <a:lumOff val="35000"/>
+      </a:schemeClr>
+    </cs:fontRef>
+    <cs:defRPr sz="1330" kern="1200"/>
+  </cs:axisTitle>
+  <cs:categoryAxis>
+    <cs:lnRef idx="0"/>
+    <cs:fillRef idx="0"/>
+    <cs:effectRef idx="0"/>
+    <cs:fontRef idx="minor">
+      <a:schemeClr val="tx1">
+        <a:lumMod val="65000"/>
+        <a:lumOff val="35000"/>
+      </a:schemeClr>
+    </cs:fontRef>
+    <cs:spPr>
+      <a:ln w="9525" cap="flat" cmpd="sng" algn="ctr">
+        <a:solidFill>
+          <a:schemeClr val="tx1">
+            <a:lumMod val="15000"/>
+            <a:lumOff val="85000"/>
+          </a:schemeClr>
+        </a:solidFill>
+        <a:round/>
+      </a:ln>
+    </cs:spPr>
+    <cs:defRPr sz="1197" kern="1200"/>
+  </cs:categoryAxis>
+  <cs:chartArea mods="allowNoFillOverride allowNoLineOverride">
+    <cs:lnRef idx="0"/>
+    <cs:fillRef idx="0"/>
+    <cs:effectRef idx="0"/>
+    <cs:fontRef idx="minor">
+      <a:schemeClr val="tx1"/>
+    </cs:fontRef>
+    <cs:spPr>
+      <a:solidFill>
+        <a:schemeClr val="bg1"/>
+      </a:solidFill>
+      <a:ln w="9525" cap="flat" cmpd="sng" algn="ctr">
+        <a:solidFill>
+          <a:schemeClr val="tx1">
+            <a:lumMod val="15000"/>
+            <a:lumOff val="85000"/>
+          </a:schemeClr>
+        </a:solidFill>
+        <a:round/>
+      </a:ln>
+    </cs:spPr>
+    <cs:defRPr sz="1330" kern="1200"/>
+  </cs:chartArea>
+  <cs:dataLabel>
+    <cs:lnRef idx="0"/>
+    <cs:fillRef idx="0"/>
+    <cs:effectRef idx="0"/>
+    <cs:fontRef idx="minor">
+      <a:schemeClr val="tx1">
+        <a:lumMod val="75000"/>
+        <a:lumOff val="25000"/>
+      </a:schemeClr>
+    </cs:fontRef>
+    <cs:defRPr sz="1197" kern="1200"/>
+  </cs:dataLabel>
+  <cs:dataLabelCallout>
+    <cs:lnRef idx="0"/>
+    <cs:fillRef idx="0"/>
+    <cs:effectRef idx="0"/>
+    <cs:fontRef idx="minor">
+      <a:schemeClr val="dk1">
+        <a:lumMod val="65000"/>
+        <a:lumOff val="35000"/>
+      </a:schemeClr>
+    </cs:fontRef>
+    <cs:spPr>
+      <a:solidFill>
+        <a:schemeClr val="lt1"/>
+      </a:solidFill>
+      <a:ln>
+        <a:solidFill>
+          <a:schemeClr val="dk1">
+            <a:lumMod val="25000"/>
+            <a:lumOff val="75000"/>
+          </a:schemeClr>
+        </a:solidFill>
+      </a:ln>
+    </cs:spPr>
+    <cs:defRPr sz="1197" kern="1200"/>
+    <cs:bodyPr rot="0" spcFirstLastPara="1" vertOverflow="clip" horzOverflow="clip" vert="horz" wrap="square" lIns="36576" tIns="18288" rIns="36576" bIns="18288" anchor="ctr" anchorCtr="1">
+      <a:spAutoFit/>
+    </cs:bodyPr>
+  </cs:dataLabelCallout>
+  <cs:dataPoint>
+    <cs:lnRef idx="0"/>
+    <cs:fillRef idx="1">
+      <cs:styleClr val="auto"/>
+    </cs:fillRef>
+    <cs:effectRef idx="0"/>
+    <cs:fontRef idx="minor">
+      <a:schemeClr val="tx1"/>
+    </cs:fontRef>
+  </cs:dataPoint>
+  <cs:dataPoint3D>
+    <cs:lnRef idx="0"/>
+    <cs:fillRef idx="1">
+      <cs:styleClr val="auto"/>
+    </cs:fillRef>
+    <cs:effectRef idx="0"/>
+    <cs:fontRef idx="minor">
+      <a:schemeClr val="tx1"/>
+    </cs:fontRef>
+  </cs:dataPoint3D>
+  <cs:dataPointLine>
+    <cs:lnRef idx="0">
+      <cs:styleClr val="auto"/>
+    </cs:lnRef>
+    <cs:fillRef idx="1"/>
+    <cs:effectRef idx="0"/>
+    <cs:fontRef idx="minor">
+      <a:schemeClr val="tx1"/>
+    </cs:fontRef>
+    <cs:spPr>
+      <a:ln w="28575" cap="rnd">
+        <a:solidFill>
+          <a:schemeClr val="phClr"/>
+        </a:solidFill>
+        <a:round/>
+      </a:ln>
+    </cs:spPr>
+  </cs:dataPointLine>
+  <cs:dataPointMarker>
+    <cs:lnRef idx="0">
+      <cs:styleClr val="auto"/>
+    </cs:lnRef>
+    <cs:fillRef idx="1">
+      <cs:styleClr val="auto"/>
+    </cs:fillRef>
+    <cs:effectRef idx="0"/>
+    <cs:fontRef idx="minor">
+      <a:schemeClr val="tx1"/>
+    </cs:fontRef>
+    <cs:spPr>
+      <a:ln w="9525">
+        <a:solidFill>
+          <a:schemeClr val="phClr"/>
+        </a:solidFill>
+      </a:ln>
+    </cs:spPr>
+  </cs:dataPointMarker>
+  <cs:dataPointMarkerLayout symbol="circle" size="5"/>
+  <cs:dataPointWireframe>
+    <cs:lnRef idx="0">
+      <cs:styleClr val="auto"/>
+    </cs:lnRef>
+    <cs:fillRef idx="1"/>
+    <cs:effectRef idx="0"/>
+    <cs:fontRef idx="minor">
+      <a:schemeClr val="tx1"/>
+    </cs:fontRef>
+    <cs:spPr>
+      <a:ln w="9525" cap="rnd">
+        <a:solidFill>
+          <a:schemeClr val="phClr"/>
+        </a:solidFill>
+        <a:round/>
+      </a:ln>
+    </cs:spPr>
+  </cs:dataPointWireframe>
+  <cs:dataTable>
+    <cs:lnRef idx="0"/>
+    <cs:fillRef idx="0"/>
+    <cs:effectRef idx="0"/>
+    <cs:fontRef idx="minor">
+      <a:schemeClr val="tx1">
+        <a:lumMod val="65000"/>
+        <a:lumOff val="35000"/>
+      </a:schemeClr>
+    </cs:fontRef>
+    <cs:spPr>
+      <a:noFill/>
+      <a:ln w="9525" cap="flat" cmpd="sng" algn="ctr">
+        <a:solidFill>
+          <a:schemeClr val="tx1">
+            <a:lumMod val="15000"/>
+            <a:lumOff val="85000"/>
+          </a:schemeClr>
+        </a:solidFill>
+        <a:round/>
+      </a:ln>
+    </cs:spPr>
+    <cs:defRPr sz="1197" kern="1200"/>
+  </cs:dataTable>
+  <cs:downBar>
+    <cs:lnRef idx="0"/>
+    <cs:fillRef idx="0"/>
+    <cs:effectRef idx="0"/>
+    <cs:fontRef idx="minor">
+      <a:schemeClr val="dk1"/>
+    </cs:fontRef>
+    <cs:spPr>
+      <a:solidFill>
+        <a:schemeClr val="dk1">
+          <a:lumMod val="65000"/>
+          <a:lumOff val="35000"/>
+        </a:schemeClr>
+      </a:solidFill>
+      <a:ln w="9525">
+        <a:solidFill>
+          <a:schemeClr val="tx1">
+            <a:lumMod val="65000"/>
+            <a:lumOff val="35000"/>
+          </a:schemeClr>
+        </a:solidFill>
+      </a:ln>
+    </cs:spPr>
+  </cs:downBar>
+  <cs:dropLine>
+    <cs:lnRef idx="0"/>
+    <cs:fillRef idx="0"/>
+    <cs:effectRef idx="0"/>
+    <cs:fontRef idx="minor">
+      <a:schemeClr val="tx1"/>
+    </cs:fontRef>
+    <cs:spPr>
+      <a:ln w="9525" cap="flat" cmpd="sng" algn="ctr">
+        <a:solidFill>
+          <a:schemeClr val="tx1">
+            <a:lumMod val="35000"/>
+            <a:lumOff val="65000"/>
+          </a:schemeClr>
+        </a:solidFill>
+        <a:round/>
+      </a:ln>
+    </cs:spPr>
+  </cs:dropLine>
+  <cs:errorBar>
+    <cs:lnRef idx="0"/>
+    <cs:fillRef idx="0"/>
+    <cs:effectRef idx="0"/>
+    <cs:fontRef idx="minor">
+      <a:schemeClr val="tx1"/>
+    </cs:fontRef>
+    <cs:spPr>
+      <a:ln w="9525" cap="flat" cmpd="sng" algn="ctr">
+        <a:solidFill>
+          <a:schemeClr val="tx1">
+            <a:lumMod val="65000"/>
+            <a:lumOff val="35000"/>
+          </a:schemeClr>
+        </a:solidFill>
+        <a:round/>
+      </a:ln>
+    </cs:spPr>
+  </cs:errorBar>
+  <cs:floor>
+    <cs:lnRef idx="0"/>
+    <cs:fillRef idx="0"/>
+    <cs:effectRef idx="0"/>
+    <cs:fontRef idx="minor">
+      <a:schemeClr val="tx1"/>
+    </cs:fontRef>
+    <cs:spPr>
+      <a:noFill/>
+      <a:ln>
+        <a:noFill/>
+      </a:ln>
+    </cs:spPr>
+  </cs:floor>
+  <cs:gridlineMajor>
+    <cs:lnRef idx="0"/>
+    <cs:fillRef idx="0"/>
+    <cs:effectRef idx="0"/>
+    <cs:fontRef idx="minor">
+      <a:schemeClr val="tx1"/>
+    </cs:fontRef>
+    <cs:spPr>
+      <a:ln w="9525" cap="flat" cmpd="sng" algn="ctr">
+        <a:solidFill>
+          <a:schemeClr val="tx1">
+            <a:lumMod val="15000"/>
+            <a:lumOff val="85000"/>
+          </a:schemeClr>
+        </a:solidFill>
+        <a:round/>
+      </a:ln>
+    </cs:spPr>
+  </cs:gridlineMajor>
+  <cs:gridlineMinor>
+    <cs:lnRef idx="0"/>
+    <cs:fillRef idx="0"/>
+    <cs:effectRef idx="0"/>
+    <cs:fontRef idx="minor">
+      <a:schemeClr val="tx1"/>
+    </cs:fontRef>
+    <cs:spPr>
+      <a:ln w="9525" cap="flat" cmpd="sng" algn="ctr">
+        <a:solidFill>
+          <a:schemeClr val="tx1">
+            <a:lumMod val="5000"/>
+            <a:lumOff val="95000"/>
+          </a:schemeClr>
+        </a:solidFill>
+        <a:round/>
+      </a:ln>
+    </cs:spPr>
+  </cs:gridlineMinor>
+  <cs:hiLoLine>
+    <cs:lnRef idx="0"/>
+    <cs:fillRef idx="0"/>
+    <cs:effectRef idx="0"/>
+    <cs:fontRef idx="minor">
+      <a:schemeClr val="tx1"/>
+    </cs:fontRef>
+    <cs:spPr>
+      <a:ln w="9525" cap="flat" cmpd="sng" algn="ctr">
+        <a:solidFill>
+          <a:schemeClr val="tx1">
+            <a:lumMod val="75000"/>
+            <a:lumOff val="25000"/>
+          </a:schemeClr>
+        </a:solidFill>
+        <a:round/>
+      </a:ln>
+    </cs:spPr>
+  </cs:hiLoLine>
+  <cs:leaderLine>
+    <cs:lnRef idx="0"/>
+    <cs:fillRef idx="0"/>
+    <cs:effectRef idx="0"/>
+    <cs:fontRef idx="minor">
+      <a:schemeClr val="tx1"/>
+    </cs:fontRef>
+    <cs:spPr>
+      <a:ln w="9525" cap="flat" cmpd="sng" algn="ctr">
+        <a:solidFill>
+          <a:schemeClr val="tx1">
+            <a:lumMod val="35000"/>
+            <a:lumOff val="65000"/>
+          </a:schemeClr>
+        </a:solidFill>
+        <a:round/>
+      </a:ln>
+    </cs:spPr>
+  </cs:leaderLine>
+  <cs:legend>
+    <cs:lnRef idx="0"/>
+    <cs:fillRef idx="0"/>
+    <cs:effectRef idx="0"/>
+    <cs:fontRef idx="minor">
+      <a:schemeClr val="tx1">
+        <a:lumMod val="65000"/>
+        <a:lumOff val="35000"/>
+      </a:schemeClr>
+    </cs:fontRef>
+    <cs:defRPr sz="1197" kern="1200"/>
+  </cs:legend>
+  <cs:plotArea mods="allowNoFillOverride allowNoLineOverride">
+    <cs:lnRef idx="0"/>
+    <cs:fillRef idx="0"/>
+    <cs:effectRef idx="0"/>
+    <cs:fontRef idx="minor">
+      <a:schemeClr val="tx1"/>
+    </cs:fontRef>
+  </cs:plotArea>
+  <cs:plotArea3D mods="allowNoFillOverride allowNoLineOverride">
+    <cs:lnRef idx="0"/>
+    <cs:fillRef idx="0"/>
+    <cs:effectRef idx="0"/>
+    <cs:fontRef idx="minor">
+      <a:schemeClr val="tx1"/>
+    </cs:fontRef>
+  </cs:plotArea3D>
+  <cs:seriesAxis>
+    <cs:lnRef idx="0"/>
+    <cs:fillRef idx="0"/>
+    <cs:effectRef idx="0"/>
+    <cs:fontRef idx="minor">
+      <a:schemeClr val="tx1">
+        <a:lumMod val="65000"/>
+        <a:lumOff val="35000"/>
+      </a:schemeClr>
+    </cs:fontRef>
+    <cs:defRPr sz="1197" kern="1200"/>
+  </cs:seriesAxis>
+  <cs:seriesLine>
+    <cs:lnRef idx="0"/>
+    <cs:fillRef idx="0"/>
+    <cs:effectRef idx="0"/>
+    <cs:fontRef idx="minor">
+      <a:schemeClr val="tx1"/>
+    </cs:fontRef>
+    <cs:spPr>
+      <a:ln w="9525" cap="flat" cmpd="sng" algn="ctr">
+        <a:solidFill>
+          <a:schemeClr val="tx1">
+            <a:lumMod val="35000"/>
+            <a:lumOff val="65000"/>
+          </a:schemeClr>
+        </a:solidFill>
+        <a:round/>
+      </a:ln>
+    </cs:spPr>
+  </cs:seriesLine>
+  <cs:title>
+    <cs:lnRef idx="0"/>
+    <cs:fillRef idx="0"/>
+    <cs:effectRef idx="0"/>
+    <cs:fontRef idx="minor">
+      <a:schemeClr val="tx1">
+        <a:lumMod val="65000"/>
+        <a:lumOff val="35000"/>
+      </a:schemeClr>
+    </cs:fontRef>
+    <cs:defRPr sz="1862" b="0" kern="1200" spc="0" baseline="0"/>
+  </cs:title>
+  <cs:trendline>
+    <cs:lnRef idx="0">
+      <cs:styleClr val="auto"/>
+    </cs:lnRef>
+    <cs:fillRef idx="0"/>
+    <cs:effectRef idx="0"/>
+    <cs:fontRef idx="minor">
+      <a:schemeClr val="tx1"/>
+    </cs:fontRef>
+    <cs:spPr>
+      <a:ln w="19050" cap="rnd">
+        <a:solidFill>
+          <a:schemeClr val="phClr"/>
+        </a:solidFill>
+        <a:prstDash val="sysDot"/>
+      </a:ln>
+    </cs:spPr>
+  </cs:trendline>
+  <cs:trendlineLabel>
+    <cs:lnRef idx="0"/>
+    <cs:fillRef idx="0"/>
+    <cs:effectRef idx="0"/>
+    <cs:fontRef idx="minor">
+      <a:schemeClr val="tx1">
+        <a:lumMod val="65000"/>
+        <a:lumOff val="35000"/>
+      </a:schemeClr>
+    </cs:fontRef>
+    <cs:defRPr sz="1197" kern="1200"/>
+  </cs:trendlineLabel>
+  <cs:upBar>
+    <cs:lnRef idx="0"/>
+    <cs:fillRef idx="0"/>
+    <cs:effectRef idx="0"/>
+    <cs:fontRef idx="minor">
+      <a:schemeClr val="dk1"/>
+    </cs:fontRef>
+    <cs:spPr>
+      <a:solidFill>
+        <a:schemeClr val="lt1"/>
+      </a:solidFill>
+      <a:ln w="9525">
+        <a:solidFill>
+          <a:schemeClr val="tx1">
+            <a:lumMod val="15000"/>
+            <a:lumOff val="85000"/>
+          </a:schemeClr>
+        </a:solidFill>
+      </a:ln>
+    </cs:spPr>
+  </cs:upBar>
+  <cs:valueAxis>
+    <cs:lnRef idx="0"/>
+    <cs:fillRef idx="0"/>
+    <cs:effectRef idx="0"/>
+    <cs:fontRef idx="minor">
+      <a:schemeClr val="tx1">
+        <a:lumMod val="65000"/>
+        <a:lumOff val="35000"/>
+      </a:schemeClr>
+    </cs:fontRef>
+    <cs:defRPr sz="1197" kern="1200"/>
+  </cs:valueAxis>
+  <cs:wall>
+    <cs:lnRef idx="0"/>
+    <cs:fillRef idx="0"/>
+    <cs:effectRef idx="0"/>
+    <cs:fontRef idx="minor">
+      <a:schemeClr val="tx1"/>
+    </cs:fontRef>
+    <cs:spPr>
+      <a:noFill/>
+      <a:ln>
+        <a:noFill/>
+      </a:ln>
+    </cs:spPr>
+  </cs:wall>
+</cs:chartStyle>
 </file>
 
 <file path=ppt/notesMasters/notesMaster1.xml><?xml version="1.0" encoding="utf-8"?>
@@ -199,7 +1566,7 @@
           <a:p>
             <a:fld id="{8CDC0FEB-6EB8-4BA6-97C8-9BE4A659E7CB}" type="datetimeFigureOut">
               <a:rPr lang="en-US" smtClean="0"/>
-              <a:t>3/18/2023</a:t>
+              <a:t>3/19/2023</a:t>
             </a:fld>
             <a:endParaRPr lang="en-US"/>
           </a:p>
@@ -613,7 +1980,7 @@
           <a:p>
             <a:fld id="{2BBD6D82-9A8C-4610-887E-0F996D2B32A0}" type="datetimeFigureOut">
               <a:rPr lang="en-US" smtClean="0"/>
-              <a:t>3/18/2023</a:t>
+              <a:t>3/19/2023</a:t>
             </a:fld>
             <a:endParaRPr lang="en-US"/>
           </a:p>
@@ -811,7 +2178,7 @@
           <a:p>
             <a:fld id="{2BBD6D82-9A8C-4610-887E-0F996D2B32A0}" type="datetimeFigureOut">
               <a:rPr lang="en-US" smtClean="0"/>
-              <a:t>3/18/2023</a:t>
+              <a:t>3/19/2023</a:t>
             </a:fld>
             <a:endParaRPr lang="en-US"/>
           </a:p>
@@ -1019,7 +2386,7 @@
           <a:p>
             <a:fld id="{2BBD6D82-9A8C-4610-887E-0F996D2B32A0}" type="datetimeFigureOut">
               <a:rPr lang="en-US" smtClean="0"/>
-              <a:t>3/18/2023</a:t>
+              <a:t>3/19/2023</a:t>
             </a:fld>
             <a:endParaRPr lang="en-US"/>
           </a:p>
@@ -1217,7 +2584,7 @@
           <a:p>
             <a:fld id="{2BBD6D82-9A8C-4610-887E-0F996D2B32A0}" type="datetimeFigureOut">
               <a:rPr lang="en-US" smtClean="0"/>
-              <a:t>3/18/2023</a:t>
+              <a:t>3/19/2023</a:t>
             </a:fld>
             <a:endParaRPr lang="en-US"/>
           </a:p>
@@ -1492,7 +2859,7 @@
           <a:p>
             <a:fld id="{2BBD6D82-9A8C-4610-887E-0F996D2B32A0}" type="datetimeFigureOut">
               <a:rPr lang="en-US" smtClean="0"/>
-              <a:t>3/18/2023</a:t>
+              <a:t>3/19/2023</a:t>
             </a:fld>
             <a:endParaRPr lang="en-US"/>
           </a:p>
@@ -1757,7 +3124,7 @@
           <a:p>
             <a:fld id="{2BBD6D82-9A8C-4610-887E-0F996D2B32A0}" type="datetimeFigureOut">
               <a:rPr lang="en-US" smtClean="0"/>
-              <a:t>3/18/2023</a:t>
+              <a:t>3/19/2023</a:t>
             </a:fld>
             <a:endParaRPr lang="en-US"/>
           </a:p>
@@ -2169,7 +3536,7 @@
           <a:p>
             <a:fld id="{2BBD6D82-9A8C-4610-887E-0F996D2B32A0}" type="datetimeFigureOut">
               <a:rPr lang="en-US" smtClean="0"/>
-              <a:t>3/18/2023</a:t>
+              <a:t>3/19/2023</a:t>
             </a:fld>
             <a:endParaRPr lang="en-US"/>
           </a:p>
@@ -2310,7 +3677,7 @@
           <a:p>
             <a:fld id="{2BBD6D82-9A8C-4610-887E-0F996D2B32A0}" type="datetimeFigureOut">
               <a:rPr lang="en-US" smtClean="0"/>
-              <a:t>3/18/2023</a:t>
+              <a:t>3/19/2023</a:t>
             </a:fld>
             <a:endParaRPr lang="en-US"/>
           </a:p>
@@ -2423,7 +3790,7 @@
           <a:p>
             <a:fld id="{2BBD6D82-9A8C-4610-887E-0F996D2B32A0}" type="datetimeFigureOut">
               <a:rPr lang="en-US" smtClean="0"/>
-              <a:t>3/18/2023</a:t>
+              <a:t>3/19/2023</a:t>
             </a:fld>
             <a:endParaRPr lang="en-US"/>
           </a:p>
@@ -2734,7 +4101,7 @@
           <a:p>
             <a:fld id="{2BBD6D82-9A8C-4610-887E-0F996D2B32A0}" type="datetimeFigureOut">
               <a:rPr lang="en-US" smtClean="0"/>
-              <a:t>3/18/2023</a:t>
+              <a:t>3/19/2023</a:t>
             </a:fld>
             <a:endParaRPr lang="en-US"/>
           </a:p>
@@ -3022,7 +4389,7 @@
           <a:p>
             <a:fld id="{2BBD6D82-9A8C-4610-887E-0F996D2B32A0}" type="datetimeFigureOut">
               <a:rPr lang="en-US" smtClean="0"/>
-              <a:t>3/18/2023</a:t>
+              <a:t>3/19/2023</a:t>
             </a:fld>
             <a:endParaRPr lang="en-US"/>
           </a:p>
@@ -3263,7 +4630,7 @@
           <a:p>
             <a:fld id="{2BBD6D82-9A8C-4610-887E-0F996D2B32A0}" type="datetimeFigureOut">
               <a:rPr lang="en-US" smtClean="0"/>
-              <a:t>3/18/2023</a:t>
+              <a:t>3/19/2023</a:t>
             </a:fld>
             <a:endParaRPr lang="en-US"/>
           </a:p>
@@ -9340,6 +10707,94 @@
     <p:extLst>
       <p:ext uri="{BB962C8B-B14F-4D97-AF65-F5344CB8AC3E}">
         <p14:creationId xmlns:p14="http://schemas.microsoft.com/office/powerpoint/2010/main" val="2211045743"/>
+      </p:ext>
+    </p:extLst>
+  </p:cSld>
+  <p:clrMapOvr>
+    <a:masterClrMapping/>
+  </p:clrMapOvr>
+</p:sld>
+</file>
+
+<file path=ppt/slides/slide9.xml><?xml version="1.0" encoding="utf-8"?>
+<p:sld xmlns:a="http://schemas.openxmlformats.org/drawingml/2006/main" xmlns:r="http://schemas.openxmlformats.org/officeDocument/2006/relationships" xmlns:p="http://schemas.openxmlformats.org/presentationml/2006/main">
+  <p:cSld>
+    <p:spTree>
+      <p:nvGrpSpPr>
+        <p:cNvPr id="1" name=""/>
+        <p:cNvGrpSpPr/>
+        <p:nvPr/>
+      </p:nvGrpSpPr>
+      <p:grpSpPr>
+        <a:xfrm>
+          <a:off x="0" y="0"/>
+          <a:ext cx="0" cy="0"/>
+          <a:chOff x="0" y="0"/>
+          <a:chExt cx="0" cy="0"/>
+        </a:xfrm>
+      </p:grpSpPr>
+      <p:graphicFrame>
+        <p:nvGraphicFramePr>
+          <p:cNvPr id="4" name="Chart 3">
+            <a:extLst>
+              <a:ext uri="{FF2B5EF4-FFF2-40B4-BE49-F238E27FC236}">
+                <a16:creationId xmlns:a16="http://schemas.microsoft.com/office/drawing/2014/main" id="{3F12507F-8549-6CCB-6E49-C4C97648685C}"/>
+              </a:ext>
+            </a:extLst>
+          </p:cNvPr>
+          <p:cNvGraphicFramePr/>
+          <p:nvPr>
+            <p:extLst>
+              <p:ext uri="{D42A27DB-BD31-4B8C-83A1-F6EECF244321}">
+                <p14:modId xmlns:p14="http://schemas.microsoft.com/office/powerpoint/2010/main" val="28717140"/>
+              </p:ext>
+            </p:extLst>
+          </p:nvPr>
+        </p:nvGraphicFramePr>
+        <p:xfrm>
+          <a:off x="73152" y="60960"/>
+          <a:ext cx="12015216" cy="6717792"/>
+        </p:xfrm>
+        <a:graphic>
+          <a:graphicData uri="http://schemas.openxmlformats.org/drawingml/2006/chart">
+            <c:chart xmlns:c="http://schemas.openxmlformats.org/drawingml/2006/chart" xmlns:r="http://schemas.openxmlformats.org/officeDocument/2006/relationships" r:id="rId2"/>
+          </a:graphicData>
+        </a:graphic>
+      </p:graphicFrame>
+      <p:pic>
+        <p:nvPicPr>
+          <p:cNvPr id="6" name="Picture 5">
+            <a:extLst>
+              <a:ext uri="{FF2B5EF4-FFF2-40B4-BE49-F238E27FC236}">
+                <a16:creationId xmlns:a16="http://schemas.microsoft.com/office/drawing/2014/main" id="{D5E0FDC0-3E4F-D3B8-9814-50BA83D100CD}"/>
+              </a:ext>
+            </a:extLst>
+          </p:cNvPr>
+          <p:cNvPicPr>
+            <a:picLocks noChangeAspect="1"/>
+          </p:cNvPicPr>
+          <p:nvPr/>
+        </p:nvPicPr>
+        <p:blipFill>
+          <a:blip r:embed="rId3"/>
+          <a:stretch>
+            <a:fillRect/>
+          </a:stretch>
+        </p:blipFill>
+        <p:spPr>
+          <a:xfrm>
+            <a:off x="103632" y="38100"/>
+            <a:ext cx="345948" cy="6781800"/>
+          </a:xfrm>
+          <a:prstGeom prst="rect">
+            <a:avLst/>
+          </a:prstGeom>
+        </p:spPr>
+      </p:pic>
+    </p:spTree>
+    <p:extLst>
+      <p:ext uri="{BB962C8B-B14F-4D97-AF65-F5344CB8AC3E}">
+        <p14:creationId xmlns:p14="http://schemas.microsoft.com/office/powerpoint/2010/main" val="577445765"/>
       </p:ext>
     </p:extLst>
   </p:cSld>

--- a/Tema1SD.pptx
+++ b/Tema1SD.pptx
@@ -8299,7 +8299,7 @@
         <p:spPr>
           <a:xfrm>
             <a:off x="591502" y="4282738"/>
-            <a:ext cx="11008995" cy="1138773"/>
+            <a:ext cx="11008995" cy="1400383"/>
           </a:xfrm>
           <a:prstGeom prst="rect">
             <a:avLst/>
@@ -8398,7 +8398,27 @@
             </a:r>
             <a:r>
               <a:rPr lang="en-US" sz="1700" dirty="0"/>
-              <a:t> maxim din sir.</a:t>
+              <a:t> de </a:t>
+            </a:r>
+            <a:r>
+              <a:rPr lang="en-US" sz="1700" dirty="0" err="1"/>
+              <a:t>cifre</a:t>
+            </a:r>
+            <a:r>
+              <a:rPr lang="en-US" sz="1700" dirty="0"/>
+              <a:t> al </a:t>
+            </a:r>
+            <a:r>
+              <a:rPr lang="en-US" sz="1700" dirty="0" err="1"/>
+              <a:t>maximului</a:t>
+            </a:r>
+            <a:r>
+              <a:rPr lang="en-US" sz="1700"/>
+              <a:t> </a:t>
+            </a:r>
+            <a:r>
+              <a:rPr lang="en-US" sz="1700" dirty="0"/>
+              <a:t>din sir.</a:t>
             </a:r>
           </a:p>
           <a:p>
